--- a/Other/graph.pptx
+++ b/Other/graph.pptx
@@ -3635,10 +3635,7 @@
           <a:prstGeom prst="straightConnector1">
             <a:avLst/>
           </a:prstGeom>
-          <a:ln w="63500">
-            <a:solidFill>
-              <a:srgbClr val="92D050"/>
-            </a:solidFill>
+          <a:ln>
             <a:tailEnd type="triangle"/>
           </a:ln>
         </p:spPr>
@@ -3720,10 +3717,7 @@
           <a:prstGeom prst="straightConnector1">
             <a:avLst/>
           </a:prstGeom>
-          <a:ln w="63500">
-            <a:solidFill>
-              <a:srgbClr val="92D050"/>
-            </a:solidFill>
+          <a:ln>
             <a:tailEnd type="triangle"/>
           </a:ln>
         </p:spPr>
@@ -3764,10 +3758,7 @@
           <a:prstGeom prst="straightConnector1">
             <a:avLst/>
           </a:prstGeom>
-          <a:ln w="63500">
-            <a:solidFill>
-              <a:srgbClr val="92D050"/>
-            </a:solidFill>
+          <a:ln>
             <a:tailEnd type="triangle"/>
           </a:ln>
         </p:spPr>
@@ -4076,55 +4067,6 @@
           </a:prstGeom>
           <a:solidFill>
             <a:srgbClr val="FF0000"/>
-          </a:solidFill>
-        </p:spPr>
-        <p:style>
-          <a:lnRef idx="2">
-            <a:schemeClr val="accent1">
-              <a:shade val="50000"/>
-            </a:schemeClr>
-          </a:lnRef>
-          <a:fillRef idx="1">
-            <a:schemeClr val="accent1"/>
-          </a:fillRef>
-          <a:effectRef idx="0">
-            <a:schemeClr val="accent1"/>
-          </a:effectRef>
-          <a:fontRef idx="minor">
-            <a:schemeClr val="lt1"/>
-          </a:fontRef>
-        </p:style>
-        <p:txBody>
-          <a:bodyPr rtlCol="0" anchor="ctr"/>
-          <a:lstStyle/>
-          <a:p>
-            <a:pPr algn="ctr"/>
-            <a:endParaRPr lang="it-IT"/>
-          </a:p>
-        </p:txBody>
-      </p:sp>
-      <p:sp>
-        <p:nvSpPr>
-          <p:cNvPr id="44" name="Per 43">
-            <a:extLst>
-              <a:ext uri="{FF2B5EF4-FFF2-40B4-BE49-F238E27FC236}">
-                <a16:creationId xmlns:a16="http://schemas.microsoft.com/office/drawing/2014/main" id="{AD450666-0DFD-B04F-8398-7DFB13AE24E0}"/>
-              </a:ext>
-            </a:extLst>
-          </p:cNvPr>
-          <p:cNvSpPr/>
-          <p:nvPr/>
-        </p:nvSpPr>
-        <p:spPr>
-          <a:xfrm>
-            <a:off x="4347976" y="2983490"/>
-            <a:ext cx="1185862" cy="1197427"/>
-          </a:xfrm>
-          <a:prstGeom prst="mathMultiply">
-            <a:avLst/>
-          </a:prstGeom>
-          <a:solidFill>
-            <a:srgbClr val="FFFF00"/>
           </a:solidFill>
         </p:spPr>
         <p:style>
